--- a/experiments/experiment_003/learning_curve.pptx
+++ b/experiments/experiment_003/learning_curve.pptx
@@ -832,9 +832,9 @@
                     <a:lumOff val="35000"/>
                   </a:schemeClr>
                 </a:solidFill>
-                <a:latin typeface="+mn-lt"/>
+                <a:latin typeface="Arial" panose="020B0604020202020204" pitchFamily="34" charset="0"/>
                 <a:ea typeface="+mn-ea"/>
-                <a:cs typeface="+mn-cs"/>
+                <a:cs typeface="Arial" panose="020B0604020202020204" pitchFamily="34" charset="0"/>
               </a:defRPr>
             </a:pPr>
             <a:endParaRPr lang="en-US"/>
@@ -866,9 +866,22 @@
             <a:effectLst/>
           </c:spPr>
         </c:majorGridlines>
+        <c:minorGridlines>
+          <c:spPr>
+            <a:ln w="9525" cap="flat" cmpd="sng" algn="ctr">
+              <a:solidFill>
+                <a:schemeClr val="bg1">
+                  <a:lumMod val="75000"/>
+                </a:schemeClr>
+              </a:solidFill>
+              <a:round/>
+            </a:ln>
+            <a:effectLst/>
+          </c:spPr>
+        </c:minorGridlines>
         <c:numFmt formatCode="0%" sourceLinked="0"/>
         <c:majorTickMark val="out"/>
-        <c:minorTickMark val="none"/>
+        <c:minorTickMark val="out"/>
         <c:tickLblPos val="nextTo"/>
         <c:spPr>
           <a:noFill/>
@@ -892,9 +905,9 @@
                     <a:lumOff val="35000"/>
                   </a:schemeClr>
                 </a:solidFill>
-                <a:latin typeface="+mn-lt"/>
+                <a:latin typeface="Arial" panose="020B0604020202020204" pitchFamily="34" charset="0"/>
                 <a:ea typeface="+mn-ea"/>
-                <a:cs typeface="+mn-cs"/>
+                <a:cs typeface="Arial" panose="020B0604020202020204" pitchFamily="34" charset="0"/>
               </a:defRPr>
             </a:pPr>
             <a:endParaRPr lang="en-US"/>
@@ -903,7 +916,8 @@
         <c:crossAx val="442719304"/>
         <c:crosses val="autoZero"/>
         <c:crossBetween val="midCat"/>
-        <c:majorUnit val="1.0000000000000002E-2"/>
+        <c:majorUnit val="2.0000000000000004E-2"/>
+        <c:minorUnit val="1.0000000000000002E-2"/>
       </c:valAx>
       <c:spPr>
         <a:noFill/>
@@ -1488,9 +1502,9 @@
                     <a:lumOff val="35000"/>
                   </a:schemeClr>
                 </a:solidFill>
-                <a:latin typeface="+mn-lt"/>
+                <a:latin typeface="Arial" panose="020B0604020202020204" pitchFamily="34" charset="0"/>
                 <a:ea typeface="+mn-ea"/>
-                <a:cs typeface="+mn-cs"/>
+                <a:cs typeface="Arial" panose="020B0604020202020204" pitchFamily="34" charset="0"/>
               </a:defRPr>
             </a:pPr>
             <a:endParaRPr lang="en-US"/>
@@ -1549,9 +1563,9 @@
                     <a:lumOff val="35000"/>
                   </a:schemeClr>
                 </a:solidFill>
-                <a:latin typeface="+mn-lt"/>
+                <a:latin typeface="Arial" panose="020B0604020202020204" pitchFamily="34" charset="0"/>
                 <a:ea typeface="+mn-ea"/>
-                <a:cs typeface="+mn-cs"/>
+                <a:cs typeface="Arial" panose="020B0604020202020204" pitchFamily="34" charset="0"/>
               </a:defRPr>
             </a:pPr>
             <a:endParaRPr lang="en-US"/>
@@ -2864,7 +2878,7 @@
           <a:p>
             <a:fld id="{DCBD250E-9DF0-44CD-983C-6DB7C8696DB0}" type="datetimeFigureOut">
               <a:rPr lang="en-US" smtClean="0"/>
-              <a:t>5/26/2020</a:t>
+              <a:t>6/17/2020</a:t>
             </a:fld>
             <a:endParaRPr lang="en-US"/>
           </a:p>
@@ -3062,7 +3076,7 @@
           <a:p>
             <a:fld id="{DCBD250E-9DF0-44CD-983C-6DB7C8696DB0}" type="datetimeFigureOut">
               <a:rPr lang="en-US" smtClean="0"/>
-              <a:t>5/26/2020</a:t>
+              <a:t>6/17/2020</a:t>
             </a:fld>
             <a:endParaRPr lang="en-US"/>
           </a:p>
@@ -3270,7 +3284,7 @@
           <a:p>
             <a:fld id="{DCBD250E-9DF0-44CD-983C-6DB7C8696DB0}" type="datetimeFigureOut">
               <a:rPr lang="en-US" smtClean="0"/>
-              <a:t>5/26/2020</a:t>
+              <a:t>6/17/2020</a:t>
             </a:fld>
             <a:endParaRPr lang="en-US"/>
           </a:p>
@@ -3468,7 +3482,7 @@
           <a:p>
             <a:fld id="{DCBD250E-9DF0-44CD-983C-6DB7C8696DB0}" type="datetimeFigureOut">
               <a:rPr lang="en-US" smtClean="0"/>
-              <a:t>5/26/2020</a:t>
+              <a:t>6/17/2020</a:t>
             </a:fld>
             <a:endParaRPr lang="en-US"/>
           </a:p>
@@ -3743,7 +3757,7 @@
           <a:p>
             <a:fld id="{DCBD250E-9DF0-44CD-983C-6DB7C8696DB0}" type="datetimeFigureOut">
               <a:rPr lang="en-US" smtClean="0"/>
-              <a:t>5/26/2020</a:t>
+              <a:t>6/17/2020</a:t>
             </a:fld>
             <a:endParaRPr lang="en-US"/>
           </a:p>
@@ -4008,7 +4022,7 @@
           <a:p>
             <a:fld id="{DCBD250E-9DF0-44CD-983C-6DB7C8696DB0}" type="datetimeFigureOut">
               <a:rPr lang="en-US" smtClean="0"/>
-              <a:t>5/26/2020</a:t>
+              <a:t>6/17/2020</a:t>
             </a:fld>
             <a:endParaRPr lang="en-US"/>
           </a:p>
@@ -4420,7 +4434,7 @@
           <a:p>
             <a:fld id="{DCBD250E-9DF0-44CD-983C-6DB7C8696DB0}" type="datetimeFigureOut">
               <a:rPr lang="en-US" smtClean="0"/>
-              <a:t>5/26/2020</a:t>
+              <a:t>6/17/2020</a:t>
             </a:fld>
             <a:endParaRPr lang="en-US"/>
           </a:p>
@@ -4561,7 +4575,7 @@
           <a:p>
             <a:fld id="{DCBD250E-9DF0-44CD-983C-6DB7C8696DB0}" type="datetimeFigureOut">
               <a:rPr lang="en-US" smtClean="0"/>
-              <a:t>5/26/2020</a:t>
+              <a:t>6/17/2020</a:t>
             </a:fld>
             <a:endParaRPr lang="en-US"/>
           </a:p>
@@ -4674,7 +4688,7 @@
           <a:p>
             <a:fld id="{DCBD250E-9DF0-44CD-983C-6DB7C8696DB0}" type="datetimeFigureOut">
               <a:rPr lang="en-US" smtClean="0"/>
-              <a:t>5/26/2020</a:t>
+              <a:t>6/17/2020</a:t>
             </a:fld>
             <a:endParaRPr lang="en-US"/>
           </a:p>
@@ -4985,7 +4999,7 @@
           <a:p>
             <a:fld id="{DCBD250E-9DF0-44CD-983C-6DB7C8696DB0}" type="datetimeFigureOut">
               <a:rPr lang="en-US" smtClean="0"/>
-              <a:t>5/26/2020</a:t>
+              <a:t>6/17/2020</a:t>
             </a:fld>
             <a:endParaRPr lang="en-US"/>
           </a:p>
@@ -5273,7 +5287,7 @@
           <a:p>
             <a:fld id="{DCBD250E-9DF0-44CD-983C-6DB7C8696DB0}" type="datetimeFigureOut">
               <a:rPr lang="en-US" smtClean="0"/>
-              <a:t>5/26/2020</a:t>
+              <a:t>6/17/2020</a:t>
             </a:fld>
             <a:endParaRPr lang="en-US"/>
           </a:p>
@@ -5514,7 +5528,7 @@
           <a:p>
             <a:fld id="{DCBD250E-9DF0-44CD-983C-6DB7C8696DB0}" type="datetimeFigureOut">
               <a:rPr lang="en-US" smtClean="0"/>
-              <a:t>5/26/2020</a:t>
+              <a:t>6/17/2020</a:t>
             </a:fld>
             <a:endParaRPr lang="en-US"/>
           </a:p>
@@ -5989,7 +6003,7 @@
           <p:nvPr>
             <p:extLst>
               <p:ext uri="{D42A27DB-BD31-4B8C-83A1-F6EECF244321}">
-                <p14:modId xmlns:p14="http://schemas.microsoft.com/office/powerpoint/2010/main" val="883538116"/>
+                <p14:modId xmlns:p14="http://schemas.microsoft.com/office/powerpoint/2010/main" val="1187943806"/>
               </p:ext>
             </p:extLst>
           </p:nvPr>
@@ -6019,7 +6033,7 @@
           <p:nvPr>
             <p:extLst>
               <p:ext uri="{D42A27DB-BD31-4B8C-83A1-F6EECF244321}">
-                <p14:modId xmlns:p14="http://schemas.microsoft.com/office/powerpoint/2010/main" val="2450842689"/>
+                <p14:modId xmlns:p14="http://schemas.microsoft.com/office/powerpoint/2010/main" val="178972554"/>
               </p:ext>
             </p:extLst>
           </p:nvPr>
@@ -6085,10 +6099,12 @@
           <a:p>
             <a:pPr algn="ctr"/>
             <a:r>
-              <a:rPr lang="en-US" sz="1200" b="1" dirty="0">
+              <a:rPr lang="en-US" sz="1100" b="1" dirty="0">
                 <a:solidFill>
                   <a:schemeClr val="accent6"/>
                 </a:solidFill>
+                <a:latin typeface="Arial" panose="020B0604020202020204" pitchFamily="34" charset="0"/>
+                <a:cs typeface="Arial" panose="020B0604020202020204" pitchFamily="34" charset="0"/>
               </a:rPr>
               <a:t>Stage 1</a:t>
             </a:r>
@@ -6146,10 +6162,12 @@
           <a:p>
             <a:pPr algn="ctr"/>
             <a:r>
-              <a:rPr lang="en-US" sz="1200" b="1" dirty="0">
+              <a:rPr lang="en-US" sz="1100" b="1" dirty="0">
                 <a:solidFill>
                   <a:schemeClr val="accent5"/>
                 </a:solidFill>
+                <a:latin typeface="Arial" panose="020B0604020202020204" pitchFamily="34" charset="0"/>
+                <a:cs typeface="Arial" panose="020B0604020202020204" pitchFamily="34" charset="0"/>
               </a:rPr>
               <a:t>Stage 2</a:t>
             </a:r>
@@ -6170,8 +6188,8 @@
         </p:nvSpPr>
         <p:spPr>
           <a:xfrm>
-            <a:off x="6026520" y="5859600"/>
-            <a:ext cx="389529" cy="184666"/>
+            <a:off x="6040946" y="5874988"/>
+            <a:ext cx="360676" cy="153888"/>
           </a:xfrm>
           <a:prstGeom prst="rect">
             <a:avLst/>
@@ -6186,9 +6204,16 @@
           <a:p>
             <a:pPr algn="ctr"/>
             <a:r>
-              <a:rPr lang="en-US" sz="1200" dirty="0"/>
+              <a:rPr lang="en-US" sz="1000" dirty="0">
+                <a:latin typeface="Arial" panose="020B0604020202020204" pitchFamily="34" charset="0"/>
+                <a:cs typeface="Arial" panose="020B0604020202020204" pitchFamily="34" charset="0"/>
+              </a:rPr>
               <a:t>Epoch</a:t>
             </a:r>
+            <a:endParaRPr lang="en-US" sz="1100" dirty="0">
+              <a:latin typeface="Arial" panose="020B0604020202020204" pitchFamily="34" charset="0"/>
+              <a:cs typeface="Arial" panose="020B0604020202020204" pitchFamily="34" charset="0"/>
+            </a:endParaRPr>
           </a:p>
         </p:txBody>
       </p:sp>
@@ -6206,8 +6231,8 @@
         </p:nvSpPr>
         <p:spPr>
           <a:xfrm rot="16200000">
-            <a:off x="3607661" y="2089947"/>
-            <a:ext cx="567271" cy="184666"/>
+            <a:off x="3628404" y="2105335"/>
+            <a:ext cx="525785" cy="153888"/>
           </a:xfrm>
           <a:prstGeom prst="rect">
             <a:avLst/>
@@ -6222,7 +6247,10 @@
           <a:p>
             <a:pPr algn="ctr"/>
             <a:r>
-              <a:rPr lang="en-US" sz="1200" dirty="0"/>
+              <a:rPr lang="en-US" sz="1000" dirty="0">
+                <a:latin typeface="Arial" panose="020B0604020202020204" pitchFamily="34" charset="0"/>
+                <a:cs typeface="Arial" panose="020B0604020202020204" pitchFamily="34" charset="0"/>
+              </a:rPr>
               <a:t>Accuracy</a:t>
             </a:r>
           </a:p>
@@ -6242,8 +6270,8 @@
         </p:nvSpPr>
         <p:spPr>
           <a:xfrm rot="16200000">
-            <a:off x="3755842" y="4599353"/>
-            <a:ext cx="270908" cy="184666"/>
+            <a:off x="3756644" y="4614741"/>
+            <a:ext cx="269304" cy="153888"/>
           </a:xfrm>
           <a:prstGeom prst="rect">
             <a:avLst/>
@@ -6258,7 +6286,10 @@
           <a:p>
             <a:pPr algn="ctr"/>
             <a:r>
-              <a:rPr lang="en-US" sz="1200" dirty="0"/>
+              <a:rPr lang="en-US" sz="1000" dirty="0">
+                <a:latin typeface="Arial" panose="020B0604020202020204" pitchFamily="34" charset="0"/>
+                <a:cs typeface="Arial" panose="020B0604020202020204" pitchFamily="34" charset="0"/>
+              </a:rPr>
               <a:t>Loss</a:t>
             </a:r>
           </a:p>
@@ -6278,8 +6309,8 @@
         </p:nvSpPr>
         <p:spPr>
           <a:xfrm>
-            <a:off x="8448016" y="1199187"/>
-            <a:ext cx="512897" cy="184666"/>
+            <a:off x="8448016" y="1206881"/>
+            <a:ext cx="556243" cy="169277"/>
           </a:xfrm>
           <a:prstGeom prst="rect">
             <a:avLst/>
@@ -6293,10 +6324,12 @@
           <a:lstStyle/>
           <a:p>
             <a:r>
-              <a:rPr lang="en-US" sz="1200" b="1" dirty="0">
+              <a:rPr lang="en-US" sz="1100" b="1" dirty="0">
                 <a:solidFill>
                   <a:srgbClr val="4472C4"/>
                 </a:solidFill>
+                <a:latin typeface="Arial" panose="020B0604020202020204" pitchFamily="34" charset="0"/>
+                <a:cs typeface="Arial" panose="020B0604020202020204" pitchFamily="34" charset="0"/>
               </a:rPr>
               <a:t>Training</a:t>
             </a:r>
@@ -6317,8 +6350,8 @@
         </p:nvSpPr>
         <p:spPr>
           <a:xfrm>
-            <a:off x="8448016" y="1357218"/>
-            <a:ext cx="252698" cy="184666"/>
+            <a:off x="8448016" y="1364912"/>
+            <a:ext cx="290144" cy="169277"/>
           </a:xfrm>
           <a:prstGeom prst="rect">
             <a:avLst/>
@@ -6332,10 +6365,12 @@
           <a:lstStyle/>
           <a:p>
             <a:r>
-              <a:rPr lang="en-US" sz="1200" b="1" dirty="0">
+              <a:rPr lang="en-US" sz="1100" b="1" dirty="0">
                 <a:solidFill>
                   <a:schemeClr val="accent2"/>
                 </a:solidFill>
+                <a:latin typeface="Arial" panose="020B0604020202020204" pitchFamily="34" charset="0"/>
+                <a:cs typeface="Arial" panose="020B0604020202020204" pitchFamily="34" charset="0"/>
               </a:rPr>
               <a:t>Test</a:t>
             </a:r>
@@ -6584,8 +6619,8 @@
         </p:nvSpPr>
         <p:spPr>
           <a:xfrm>
-            <a:off x="6720749" y="573684"/>
-            <a:ext cx="718018" cy="184666"/>
+            <a:off x="6699847" y="581378"/>
+            <a:ext cx="759823" cy="169277"/>
           </a:xfrm>
           <a:prstGeom prst="rect">
             <a:avLst/>
@@ -6600,7 +6635,10 @@
           <a:p>
             <a:pPr algn="ctr"/>
             <a:r>
-              <a:rPr lang="en-US" sz="1200" b="1" dirty="0"/>
+              <a:rPr lang="en-US" sz="1100" b="1" dirty="0">
+                <a:latin typeface="Arial" panose="020B0604020202020204" pitchFamily="34" charset="0"/>
+                <a:cs typeface="Arial" panose="020B0604020202020204" pitchFamily="34" charset="0"/>
+              </a:rPr>
               <a:t>Best model</a:t>
             </a:r>
           </a:p>
